--- a/SE489/Lectures/9-DevSecOps/Scaling DevSecOps at Comcast.pptx
+++ b/SE489/Lectures/9-DevSecOps/Scaling DevSecOps at Comcast.pptx
@@ -333,7 +333,7 @@
           <a:p>
             <a:fld id="{41DA9887-9249-49FD-809A-BACB264048C3}" type="datetimeFigureOut">
               <a:rPr lang="en-US" smtClean="0"/>
-              <a:t>11/27/2022</a:t>
+              <a:t>12/4/2022</a:t>
             </a:fld>
             <a:endParaRPr lang="en-US"/>
           </a:p>
@@ -735,7 +735,7 @@
           <a:p>
             <a:fld id="{2D35EDD4-F00F-4351-A1DD-A6EC37751E11}" type="datetime1">
               <a:rPr lang="en-US" smtClean="0"/>
-              <a:t>11/27/2022</a:t>
+              <a:t>12/4/2022</a:t>
             </a:fld>
             <a:endParaRPr lang="en-US"/>
           </a:p>
@@ -1025,7 +1025,7 @@
           <a:p>
             <a:fld id="{FF318B10-2127-4251-9243-666C56E29386}" type="datetime1">
               <a:rPr lang="en-US" smtClean="0"/>
-              <a:t>11/27/2022</a:t>
+              <a:t>12/4/2022</a:t>
             </a:fld>
             <a:endParaRPr lang="en-US"/>
           </a:p>
@@ -1203,7 +1203,7 @@
           <a:p>
             <a:fld id="{CBCBA333-EBAE-4470-92EC-8B42198BCDF5}" type="datetime1">
               <a:rPr lang="en-US" smtClean="0"/>
-              <a:t>11/27/2022</a:t>
+              <a:t>12/4/2022</a:t>
             </a:fld>
             <a:endParaRPr lang="en-US"/>
           </a:p>
@@ -1457,7 +1457,7 @@
           <a:p>
             <a:fld id="{9A2C8EA9-1E5B-4B4E-AF84-DF68EDD33809}" type="datetime1">
               <a:rPr lang="en-US" smtClean="0"/>
-              <a:t>11/27/2022</a:t>
+              <a:t>12/4/2022</a:t>
             </a:fld>
             <a:endParaRPr lang="en-US"/>
           </a:p>
@@ -1801,7 +1801,7 @@
           <a:p>
             <a:fld id="{4F1C4C2F-5C8E-4429-8570-F5E04E83B861}" type="datetime1">
               <a:rPr lang="en-US" smtClean="0"/>
-              <a:t>11/27/2022</a:t>
+              <a:t>12/4/2022</a:t>
             </a:fld>
             <a:endParaRPr lang="en-US"/>
           </a:p>
@@ -2030,7 +2030,7 @@
           <a:p>
             <a:fld id="{02A75FC7-1530-4C84-BCF6-F1BE3145268D}" type="datetime1">
               <a:rPr lang="en-US" smtClean="0"/>
-              <a:t>11/27/2022</a:t>
+              <a:t>12/4/2022</a:t>
             </a:fld>
             <a:endParaRPr lang="en-US"/>
           </a:p>
@@ -2394,7 +2394,7 @@
           <a:p>
             <a:fld id="{6D8416F0-9AE2-4122-994C-3B9B892569BA}" type="datetime1">
               <a:rPr lang="en-US" smtClean="0"/>
-              <a:t>11/27/2022</a:t>
+              <a:t>12/4/2022</a:t>
             </a:fld>
             <a:endParaRPr lang="en-US"/>
           </a:p>
@@ -2489,7 +2489,7 @@
           <a:p>
             <a:fld id="{52E6A2B8-176F-445D-866F-063AE3C5552E}" type="datetime1">
               <a:rPr lang="en-US" smtClean="0"/>
-              <a:t>11/27/2022</a:t>
+              <a:t>12/4/2022</a:t>
             </a:fld>
             <a:endParaRPr lang="en-US"/>
           </a:p>
@@ -2711,7 +2711,7 @@
             <a:fld id="{B2F5E2FA-C428-4CE7-95B0-168D3259A5BB}" type="datetimeFigureOut">
               <a:rPr lang="en-US" smtClean="0"/>
               <a:pPr/>
-              <a:t>11/27/2022</a:t>
+              <a:t>12/4/2022</a:t>
             </a:fld>
             <a:endParaRPr lang="en-US"/>
           </a:p>
@@ -2882,7 +2882,7 @@
           <a:p>
             <a:fld id="{67821118-4A9D-4461-984B-398926F85997}" type="datetime1">
               <a:rPr lang="en-US" smtClean="0"/>
-              <a:t>11/27/2022</a:t>
+              <a:t>12/4/2022</a:t>
             </a:fld>
             <a:endParaRPr lang="en-US"/>
           </a:p>
@@ -3157,7 +3157,7 @@
           <a:p>
             <a:fld id="{E75EB2E7-1D4F-41B0-AAF3-2C9C77BED92C}" type="datetime1">
               <a:rPr lang="en-US" smtClean="0"/>
-              <a:t>11/27/2022</a:t>
+              <a:t>12/4/2022</a:t>
             </a:fld>
             <a:endParaRPr lang="en-US"/>
           </a:p>
@@ -3409,7 +3409,7 @@
           <a:p>
             <a:fld id="{E16B9E83-EC14-4EC0-8A6E-07ED65470CB1}" type="datetime1">
               <a:rPr lang="en-US" smtClean="0"/>
-              <a:t>11/27/2022</a:t>
+              <a:t>12/4/2022</a:t>
             </a:fld>
             <a:endParaRPr lang="en-US"/>
           </a:p>
@@ -3620,7 +3620,7 @@
           <a:p>
             <a:fld id="{10F2D4B0-3CF0-4858-9F0B-2CF4B1CCD4CE}" type="datetime1">
               <a:rPr lang="en-US" smtClean="0"/>
-              <a:t>11/27/2022</a:t>
+              <a:t>12/4/2022</a:t>
             </a:fld>
             <a:endParaRPr lang="en-US"/>
           </a:p>
@@ -5546,7 +5546,15 @@
           <a:bodyPr/>
           <a:lstStyle/>
           <a:p>
-            <a:endParaRPr lang="en-US"/>
+            <a:r>
+              <a:rPr lang="en-US" dirty="0" err="1"/>
+              <a:t>DevSecOps</a:t>
+            </a:r>
+            <a:r>
+              <a:rPr lang="en-US" dirty="0"/>
+              <a:t> pilot</a:t>
+            </a:r>
+            <a:endParaRPr lang="en-US" dirty="0"/>
           </a:p>
         </p:txBody>
       </p:sp>
